--- a/a4-files/distance-lecture.pptx
+++ b/a4-files/distance-lecture.pptx
@@ -114,6 +114,11 @@
       </a:defRPr>
     </a:lvl9pPr>
   </p:defaultTextStyle>
+  <p:extLst>
+    <p:ext uri="{EFAFB233-063F-42B5-8137-9DF3F51BA10A}">
+      <p15:sldGuideLst xmlns:p15="http://schemas.microsoft.com/office/powerpoint/2012/main"/>
+    </p:ext>
+  </p:extLst>
 </p:presentation>
 </file>
 
@@ -248,7 +253,7 @@
           <a:p>
             <a:fld id="{B1180196-90DF-407C-A968-8B6AD4F47FEE}" type="datetimeFigureOut">
               <a:rPr lang="en-US" smtClean="0"/>
-              <a:t>9/21/2022</a:t>
+              <a:t>9/22/2022</a:t>
             </a:fld>
             <a:endParaRPr lang="en-US"/>
           </a:p>
@@ -418,7 +423,7 @@
           <a:p>
             <a:fld id="{B1180196-90DF-407C-A968-8B6AD4F47FEE}" type="datetimeFigureOut">
               <a:rPr lang="en-US" smtClean="0"/>
-              <a:t>9/21/2022</a:t>
+              <a:t>9/22/2022</a:t>
             </a:fld>
             <a:endParaRPr lang="en-US"/>
           </a:p>
@@ -598,7 +603,7 @@
           <a:p>
             <a:fld id="{B1180196-90DF-407C-A968-8B6AD4F47FEE}" type="datetimeFigureOut">
               <a:rPr lang="en-US" smtClean="0"/>
-              <a:t>9/21/2022</a:t>
+              <a:t>9/22/2022</a:t>
             </a:fld>
             <a:endParaRPr lang="en-US"/>
           </a:p>
@@ -768,7 +773,7 @@
           <a:p>
             <a:fld id="{B1180196-90DF-407C-A968-8B6AD4F47FEE}" type="datetimeFigureOut">
               <a:rPr lang="en-US" smtClean="0"/>
-              <a:t>9/21/2022</a:t>
+              <a:t>9/22/2022</a:t>
             </a:fld>
             <a:endParaRPr lang="en-US"/>
           </a:p>
@@ -1014,7 +1019,7 @@
           <a:p>
             <a:fld id="{B1180196-90DF-407C-A968-8B6AD4F47FEE}" type="datetimeFigureOut">
               <a:rPr lang="en-US" smtClean="0"/>
-              <a:t>9/21/2022</a:t>
+              <a:t>9/22/2022</a:t>
             </a:fld>
             <a:endParaRPr lang="en-US"/>
           </a:p>
@@ -1246,7 +1251,7 @@
           <a:p>
             <a:fld id="{B1180196-90DF-407C-A968-8B6AD4F47FEE}" type="datetimeFigureOut">
               <a:rPr lang="en-US" smtClean="0"/>
-              <a:t>9/21/2022</a:t>
+              <a:t>9/22/2022</a:t>
             </a:fld>
             <a:endParaRPr lang="en-US"/>
           </a:p>
@@ -1613,7 +1618,7 @@
           <a:p>
             <a:fld id="{B1180196-90DF-407C-A968-8B6AD4F47FEE}" type="datetimeFigureOut">
               <a:rPr lang="en-US" smtClean="0"/>
-              <a:t>9/21/2022</a:t>
+              <a:t>9/22/2022</a:t>
             </a:fld>
             <a:endParaRPr lang="en-US"/>
           </a:p>
@@ -1731,7 +1736,7 @@
           <a:p>
             <a:fld id="{B1180196-90DF-407C-A968-8B6AD4F47FEE}" type="datetimeFigureOut">
               <a:rPr lang="en-US" smtClean="0"/>
-              <a:t>9/21/2022</a:t>
+              <a:t>9/22/2022</a:t>
             </a:fld>
             <a:endParaRPr lang="en-US"/>
           </a:p>
@@ -1826,7 +1831,7 @@
           <a:p>
             <a:fld id="{B1180196-90DF-407C-A968-8B6AD4F47FEE}" type="datetimeFigureOut">
               <a:rPr lang="en-US" smtClean="0"/>
-              <a:t>9/21/2022</a:t>
+              <a:t>9/22/2022</a:t>
             </a:fld>
             <a:endParaRPr lang="en-US"/>
           </a:p>
@@ -2103,7 +2108,7 @@
           <a:p>
             <a:fld id="{B1180196-90DF-407C-A968-8B6AD4F47FEE}" type="datetimeFigureOut">
               <a:rPr lang="en-US" smtClean="0"/>
-              <a:t>9/21/2022</a:t>
+              <a:t>9/22/2022</a:t>
             </a:fld>
             <a:endParaRPr lang="en-US"/>
           </a:p>
@@ -2356,7 +2361,7 @@
           <a:p>
             <a:fld id="{B1180196-90DF-407C-A968-8B6AD4F47FEE}" type="datetimeFigureOut">
               <a:rPr lang="en-US" smtClean="0"/>
-              <a:t>9/21/2022</a:t>
+              <a:t>9/22/2022</a:t>
             </a:fld>
             <a:endParaRPr lang="en-US"/>
           </a:p>
@@ -2569,7 +2574,7 @@
           <a:p>
             <a:fld id="{B1180196-90DF-407C-A968-8B6AD4F47FEE}" type="datetimeFigureOut">
               <a:rPr lang="en-US" smtClean="0"/>
-              <a:t>9/21/2022</a:t>
+              <a:t>9/22/2022</a:t>
             </a:fld>
             <a:endParaRPr lang="en-US"/>
           </a:p>
@@ -4853,7 +4858,7 @@
                     <a:bodyPr/>
                     <a:lstStyle/>
                     <a:p>
-                      <a:endParaRPr lang="en-US"/>
+                      <a:endParaRPr lang="en-US" dirty="0"/>
                     </a:p>
                   </a:txBody>
                   <a:tcPr>
@@ -5142,7 +5147,7 @@
                     <a:bodyPr/>
                     <a:lstStyle/>
                     <a:p>
-                      <a:endParaRPr lang="en-US"/>
+                      <a:endParaRPr lang="en-US" dirty="0"/>
                     </a:p>
                   </a:txBody>
                   <a:tcPr>
@@ -5755,7 +5760,7 @@
         </p:nvSpPr>
         <p:spPr>
           <a:xfrm>
-            <a:off x="2113472" y="4804914"/>
+            <a:off x="1484722" y="4804914"/>
             <a:ext cx="138022" cy="138022"/>
           </a:xfrm>
           <a:prstGeom prst="ellipse">
@@ -6525,7 +6530,7 @@
         </p:nvSpPr>
         <p:spPr>
           <a:xfrm>
-            <a:off x="1527410" y="4873925"/>
+            <a:off x="858390" y="4825502"/>
             <a:ext cx="751402" cy="369332"/>
           </a:xfrm>
           <a:prstGeom prst="rect">
@@ -6547,7 +6552,17 @@
                 <a:latin typeface="Cambria Math" panose="02040503050406030204" pitchFamily="18" charset="0"/>
                 <a:ea typeface="Cambria Math" panose="02040503050406030204" pitchFamily="18" charset="0"/>
               </a:rPr>
-              <a:t>(2, 1)</a:t>
+              <a:t>(1, </a:t>
+            </a:r>
+            <a:r>
+              <a:rPr lang="en-US" dirty="0" smtClean="0">
+                <a:solidFill>
+                  <a:schemeClr val="accent1"/>
+                </a:solidFill>
+                <a:latin typeface="Cambria Math" panose="02040503050406030204" pitchFamily="18" charset="0"/>
+                <a:ea typeface="Cambria Math" panose="02040503050406030204" pitchFamily="18" charset="0"/>
+              </a:rPr>
+              <a:t>1)</a:t>
             </a:r>
             <a:endParaRPr lang="en-US" dirty="0">
               <a:solidFill>
@@ -6609,8 +6624,8 @@
         </p:nvSpPr>
         <p:spPr>
           <a:xfrm rot="5400000">
-            <a:off x="2682531" y="4470327"/>
-            <a:ext cx="231308" cy="1228291"/>
+            <a:off x="2366889" y="4154685"/>
+            <a:ext cx="231308" cy="1859576"/>
           </a:xfrm>
           <a:prstGeom prst="rightBrace">
             <a:avLst/>
@@ -6684,9 +6699,9 @@
           <p:nvPr/>
         </p:nvSpPr>
         <p:spPr>
-          <a:xfrm rot="12624360">
-            <a:off x="2498255" y="2529967"/>
-            <a:ext cx="209308" cy="2332075"/>
+          <a:xfrm rot="13257003">
+            <a:off x="2234242" y="2319344"/>
+            <a:ext cx="209308" cy="2754229"/>
           </a:xfrm>
           <a:prstGeom prst="rightBrace">
             <a:avLst/>
@@ -6723,7 +6738,7 @@
         </p:nvSpPr>
         <p:spPr>
           <a:xfrm>
-            <a:off x="2306834" y="5169307"/>
+            <a:off x="2038308" y="5159511"/>
             <a:ext cx="1246963" cy="369332"/>
           </a:xfrm>
           <a:prstGeom prst="rect">
@@ -6745,7 +6760,27 @@
                 <a:latin typeface="Cambria Math" panose="02040503050406030204" pitchFamily="18" charset="0"/>
                 <a:ea typeface="Cambria Math" panose="02040503050406030204" pitchFamily="18" charset="0"/>
               </a:rPr>
-              <a:t>4 – 2 = 3</a:t>
+              <a:t>4 – </a:t>
+            </a:r>
+            <a:r>
+              <a:rPr lang="en-US" dirty="0" smtClean="0">
+                <a:solidFill>
+                  <a:schemeClr val="accent1"/>
+                </a:solidFill>
+                <a:latin typeface="Cambria Math" panose="02040503050406030204" pitchFamily="18" charset="0"/>
+                <a:ea typeface="Cambria Math" panose="02040503050406030204" pitchFamily="18" charset="0"/>
+              </a:rPr>
+              <a:t>1 </a:t>
+            </a:r>
+            <a:r>
+              <a:rPr lang="en-US" dirty="0" smtClean="0">
+                <a:solidFill>
+                  <a:schemeClr val="accent1"/>
+                </a:solidFill>
+                <a:latin typeface="Cambria Math" panose="02040503050406030204" pitchFamily="18" charset="0"/>
+                <a:ea typeface="Cambria Math" panose="02040503050406030204" pitchFamily="18" charset="0"/>
+              </a:rPr>
+              <a:t>= 3</a:t>
             </a:r>
             <a:endParaRPr lang="en-US" dirty="0">
               <a:solidFill>
@@ -6808,8 +6843,8 @@
               <p:nvPr/>
             </p:nvSpPr>
             <p:spPr>
-              <a:xfrm rot="18111700">
-                <a:off x="1529420" y="3166056"/>
+              <a:xfrm rot="18580927">
+                <a:off x="1374153" y="3132708"/>
                 <a:ext cx="1638727" cy="435440"/>
               </a:xfrm>
               <a:prstGeom prst="rect">
@@ -6823,6 +6858,7 @@
               </a:bodyPr>
               <a:lstStyle/>
               <a:p>
+                <a:pPr/>
                 <a14:m>
                   <m:oMathPara xmlns:m="http://schemas.openxmlformats.org/officeDocument/2006/math">
                     <m:oMathParaPr>
@@ -6837,6 +6873,7 @@
                               <a:solidFill>
                                 <a:schemeClr val="accent1"/>
                               </a:solidFill>
+                              <a:latin typeface="Cambria Math" panose="02040503050406030204" pitchFamily="18" charset="0"/>
                             </a:rPr>
                           </m:ctrlPr>
                         </m:radPr>
@@ -6849,6 +6886,7 @@
                                   <a:solidFill>
                                     <a:schemeClr val="accent1"/>
                                   </a:solidFill>
+                                  <a:latin typeface="Cambria Math" panose="02040503050406030204" pitchFamily="18" charset="0"/>
                                 </a:rPr>
                               </m:ctrlPr>
                             </m:sSupPr>
@@ -6858,6 +6896,7 @@
                                   <a:solidFill>
                                     <a:schemeClr val="accent1"/>
                                   </a:solidFill>
+                                  <a:latin typeface="Cambria Math" panose="02040503050406030204" pitchFamily="18" charset="0"/>
                                 </a:rPr>
                                 <m:t>3</m:t>
                               </m:r>
@@ -6868,6 +6907,7 @@
                                   <a:solidFill>
                                     <a:schemeClr val="accent1"/>
                                   </a:solidFill>
+                                  <a:latin typeface="Cambria Math" panose="02040503050406030204" pitchFamily="18" charset="0"/>
                                 </a:rPr>
                                 <m:t>2</m:t>
                               </m:r>
@@ -6878,6 +6918,7 @@
                               <a:solidFill>
                                 <a:schemeClr val="accent1"/>
                               </a:solidFill>
+                              <a:latin typeface="Cambria Math" panose="02040503050406030204" pitchFamily="18" charset="0"/>
                             </a:rPr>
                             <m:t>+</m:t>
                           </m:r>
@@ -6888,6 +6929,7 @@
                                   <a:solidFill>
                                     <a:schemeClr val="accent1"/>
                                   </a:solidFill>
+                                  <a:latin typeface="Cambria Math" panose="02040503050406030204" pitchFamily="18" charset="0"/>
                                 </a:rPr>
                               </m:ctrlPr>
                             </m:sSupPr>
@@ -6897,6 +6939,7 @@
                                   <a:solidFill>
                                     <a:schemeClr val="accent1"/>
                                   </a:solidFill>
+                                  <a:latin typeface="Cambria Math" panose="02040503050406030204" pitchFamily="18" charset="0"/>
                                 </a:rPr>
                                 <m:t>4</m:t>
                               </m:r>
@@ -6907,6 +6950,7 @@
                                   <a:solidFill>
                                     <a:schemeClr val="accent1"/>
                                   </a:solidFill>
+                                  <a:latin typeface="Cambria Math" panose="02040503050406030204" pitchFamily="18" charset="0"/>
                                 </a:rPr>
                                 <m:t>2</m:t>
                               </m:r>
@@ -6919,6 +6963,7 @@
                           <a:solidFill>
                             <a:schemeClr val="accent1"/>
                           </a:solidFill>
+                          <a:latin typeface="Cambria Math" panose="02040503050406030204" pitchFamily="18" charset="0"/>
                         </a:rPr>
                         <m:t>=5</m:t>
                       </m:r>
@@ -6944,8 +6989,8 @@
               <p:nvPr/>
             </p:nvSpPr>
             <p:spPr>
-              <a:xfrm rot="18111700">
-                <a:off x="1529420" y="3166056"/>
+              <a:xfrm rot="18580927">
+                <a:off x="1374153" y="3132708"/>
                 <a:ext cx="1638727" cy="435440"/>
               </a:xfrm>
               <a:prstGeom prst="rect">
